--- a/01需求分析/VAD01转向方案规范定义— —关键零件技术要求（EPS）.pptx
+++ b/01需求分析/VAD01转向方案规范定义— —关键零件技术要求（EPS）.pptx
@@ -5,14 +5,15 @@
     <p:sldMasterId id="2147483660" r:id="rId1"/>
   </p:sldMasterIdLst>
   <p:notesMasterIdLst>
-    <p:notesMasterId r:id="rId4"/>
+    <p:notesMasterId r:id="rId5"/>
   </p:notesMasterIdLst>
   <p:handoutMasterIdLst>
-    <p:handoutMasterId r:id="rId5"/>
+    <p:handoutMasterId r:id="rId6"/>
   </p:handoutMasterIdLst>
   <p:sldIdLst>
     <p:sldId id="339" r:id="rId2"/>
-    <p:sldId id="340" r:id="rId3"/>
+    <p:sldId id="341" r:id="rId3"/>
+    <p:sldId id="340" r:id="rId4"/>
   </p:sldIdLst>
   <p:sldSz cx="9144000" cy="6858000" type="screen4x3"/>
   <p:notesSz cx="7104063" cy="10234613"/>
@@ -1919,6 +1920,679 @@
           </a:p>
         </p:txBody>
       </p:sp>
+      <p:sp>
+        <p:nvSpPr>
+          <p:cNvPr id="7" name="内容占位符 1"/>
+          <p:cNvSpPr txBox="1">
+            <a:spLocks/>
+          </p:cNvSpPr>
+          <p:nvPr/>
+        </p:nvSpPr>
+        <p:spPr>
+          <a:xfrm>
+            <a:off x="5580112" y="2132856"/>
+            <a:ext cx="3216246" cy="2952328"/>
+          </a:xfrm>
+          <a:prstGeom prst="rect">
+            <a:avLst/>
+          </a:prstGeom>
+        </p:spPr>
+        <p:txBody>
+          <a:bodyPr vert="horz" lIns="91440" tIns="45720" rIns="91440" bIns="45720" rtlCol="0">
+            <a:normAutofit/>
+          </a:bodyPr>
+          <a:lstStyle>
+            <a:lvl1pPr marL="342900" indent="-342900" algn="l" defTabSz="914400" rtl="0" eaLnBrk="1" latinLnBrk="0" hangingPunct="1">
+              <a:spcBef>
+                <a:spcPct val="20000"/>
+              </a:spcBef>
+              <a:buFont typeface="Arial" panose="020B0604020202020204" pitchFamily="34" charset="0"/>
+              <a:buChar char="•"/>
+              <a:defRPr sz="3200" kern="1200">
+                <a:solidFill>
+                  <a:schemeClr val="tx1"/>
+                </a:solidFill>
+                <a:latin typeface="+mn-lt"/>
+                <a:ea typeface="+mn-ea"/>
+                <a:cs typeface="+mn-cs"/>
+              </a:defRPr>
+            </a:lvl1pPr>
+            <a:lvl2pPr marL="742950" indent="-285750" algn="l" defTabSz="914400" rtl="0" eaLnBrk="1" latinLnBrk="0" hangingPunct="1">
+              <a:spcBef>
+                <a:spcPct val="20000"/>
+              </a:spcBef>
+              <a:buFont typeface="Arial" panose="020B0604020202020204" pitchFamily="34" charset="0"/>
+              <a:buChar char="–"/>
+              <a:defRPr sz="2800" kern="1200">
+                <a:solidFill>
+                  <a:schemeClr val="tx1"/>
+                </a:solidFill>
+                <a:latin typeface="+mn-lt"/>
+                <a:ea typeface="+mn-ea"/>
+                <a:cs typeface="+mn-cs"/>
+              </a:defRPr>
+            </a:lvl2pPr>
+            <a:lvl3pPr marL="1143000" indent="-228600" algn="l" defTabSz="914400" rtl="0" eaLnBrk="1" latinLnBrk="0" hangingPunct="1">
+              <a:spcBef>
+                <a:spcPct val="20000"/>
+              </a:spcBef>
+              <a:buFont typeface="Arial" panose="020B0604020202020204" pitchFamily="34" charset="0"/>
+              <a:buChar char="•"/>
+              <a:defRPr sz="2400" kern="1200">
+                <a:solidFill>
+                  <a:schemeClr val="tx1"/>
+                </a:solidFill>
+                <a:latin typeface="+mn-lt"/>
+                <a:ea typeface="+mn-ea"/>
+                <a:cs typeface="+mn-cs"/>
+              </a:defRPr>
+            </a:lvl3pPr>
+            <a:lvl4pPr marL="1600200" indent="-228600" algn="l" defTabSz="914400" rtl="0" eaLnBrk="1" latinLnBrk="0" hangingPunct="1">
+              <a:spcBef>
+                <a:spcPct val="20000"/>
+              </a:spcBef>
+              <a:buFont typeface="Arial" panose="020B0604020202020204" pitchFamily="34" charset="0"/>
+              <a:buChar char="–"/>
+              <a:defRPr sz="2000" kern="1200">
+                <a:solidFill>
+                  <a:schemeClr val="tx1"/>
+                </a:solidFill>
+                <a:latin typeface="+mn-lt"/>
+                <a:ea typeface="+mn-ea"/>
+                <a:cs typeface="+mn-cs"/>
+              </a:defRPr>
+            </a:lvl4pPr>
+            <a:lvl5pPr marL="2057400" indent="-228600" algn="l" defTabSz="914400" rtl="0" eaLnBrk="1" latinLnBrk="0" hangingPunct="1">
+              <a:spcBef>
+                <a:spcPct val="20000"/>
+              </a:spcBef>
+              <a:buFont typeface="Arial" panose="020B0604020202020204" pitchFamily="34" charset="0"/>
+              <a:buChar char="»"/>
+              <a:defRPr sz="2000" kern="1200">
+                <a:solidFill>
+                  <a:schemeClr val="tx1"/>
+                </a:solidFill>
+                <a:latin typeface="+mn-lt"/>
+                <a:ea typeface="+mn-ea"/>
+                <a:cs typeface="+mn-cs"/>
+              </a:defRPr>
+            </a:lvl5pPr>
+            <a:lvl6pPr marL="2514600" indent="-228600" algn="l" defTabSz="914400" rtl="0" eaLnBrk="1" latinLnBrk="0" hangingPunct="1">
+              <a:spcBef>
+                <a:spcPct val="20000"/>
+              </a:spcBef>
+              <a:buFont typeface="Arial" panose="020B0604020202020204" pitchFamily="34" charset="0"/>
+              <a:buChar char="•"/>
+              <a:defRPr sz="2000" kern="1200">
+                <a:solidFill>
+                  <a:schemeClr val="tx1"/>
+                </a:solidFill>
+                <a:latin typeface="+mn-lt"/>
+                <a:ea typeface="+mn-ea"/>
+                <a:cs typeface="+mn-cs"/>
+              </a:defRPr>
+            </a:lvl6pPr>
+            <a:lvl7pPr marL="2971800" indent="-228600" algn="l" defTabSz="914400" rtl="0" eaLnBrk="1" latinLnBrk="0" hangingPunct="1">
+              <a:spcBef>
+                <a:spcPct val="20000"/>
+              </a:spcBef>
+              <a:buFont typeface="Arial" panose="020B0604020202020204" pitchFamily="34" charset="0"/>
+              <a:buChar char="•"/>
+              <a:defRPr sz="2000" kern="1200">
+                <a:solidFill>
+                  <a:schemeClr val="tx1"/>
+                </a:solidFill>
+                <a:latin typeface="+mn-lt"/>
+                <a:ea typeface="+mn-ea"/>
+                <a:cs typeface="+mn-cs"/>
+              </a:defRPr>
+            </a:lvl7pPr>
+            <a:lvl8pPr marL="3429000" indent="-228600" algn="l" defTabSz="914400" rtl="0" eaLnBrk="1" latinLnBrk="0" hangingPunct="1">
+              <a:spcBef>
+                <a:spcPct val="20000"/>
+              </a:spcBef>
+              <a:buFont typeface="Arial" panose="020B0604020202020204" pitchFamily="34" charset="0"/>
+              <a:buChar char="•"/>
+              <a:defRPr sz="2000" kern="1200">
+                <a:solidFill>
+                  <a:schemeClr val="tx1"/>
+                </a:solidFill>
+                <a:latin typeface="+mn-lt"/>
+                <a:ea typeface="+mn-ea"/>
+                <a:cs typeface="+mn-cs"/>
+              </a:defRPr>
+            </a:lvl8pPr>
+            <a:lvl9pPr marL="3886200" indent="-228600" algn="l" defTabSz="914400" rtl="0" eaLnBrk="1" latinLnBrk="0" hangingPunct="1">
+              <a:spcBef>
+                <a:spcPct val="20000"/>
+              </a:spcBef>
+              <a:buFont typeface="Arial" panose="020B0604020202020204" pitchFamily="34" charset="0"/>
+              <a:buChar char="•"/>
+              <a:defRPr sz="2000" kern="1200">
+                <a:solidFill>
+                  <a:schemeClr val="tx1"/>
+                </a:solidFill>
+                <a:latin typeface="+mn-lt"/>
+                <a:ea typeface="+mn-ea"/>
+                <a:cs typeface="+mn-cs"/>
+              </a:defRPr>
+            </a:lvl9pPr>
+          </a:lstStyle>
+          <a:p>
+            <a:pPr marL="0" indent="0">
+              <a:buNone/>
+            </a:pPr>
+            <a:r>
+              <a:rPr lang="zh-CN" altLang="en-US" sz="1200" dirty="0"/>
+              <a:t>四种</a:t>
+            </a:r>
+            <a:r>
+              <a:rPr lang="en-US" altLang="zh-CN" sz="1200" dirty="0" smtClean="0"/>
+              <a:t>EPS</a:t>
+            </a:r>
+            <a:r>
+              <a:rPr lang="zh-CN" altLang="en-US" sz="1200" dirty="0" smtClean="0"/>
+              <a:t>状态定义：</a:t>
+            </a:r>
+            <a:endParaRPr lang="en-US" altLang="zh-CN" sz="1200" dirty="0" smtClean="0"/>
+          </a:p>
+          <a:p>
+            <a:pPr>
+              <a:buFont typeface="Wingdings" panose="05000000000000000000" pitchFamily="2" charset="2"/>
+              <a:buChar char="l"/>
+            </a:pPr>
+            <a:r>
+              <a:rPr lang="en-US" altLang="zh-CN" sz="1200" dirty="0"/>
+              <a:t>“Permanently Failed” </a:t>
+            </a:r>
+            <a:r>
+              <a:rPr lang="zh-CN" altLang="zh-CN" sz="1200" dirty="0" smtClean="0"/>
+              <a:t>状态</a:t>
+            </a:r>
+            <a:endParaRPr lang="zh-CN" altLang="zh-CN" sz="1200" dirty="0"/>
+          </a:p>
+          <a:p>
+            <a:pPr>
+              <a:buFont typeface="Wingdings" panose="05000000000000000000" pitchFamily="2" charset="2"/>
+              <a:buChar char="l"/>
+            </a:pPr>
+            <a:r>
+              <a:rPr lang="en-US" altLang="zh-CN" sz="1200" dirty="0"/>
+              <a:t>“Temporary Inhibited” </a:t>
+            </a:r>
+            <a:r>
+              <a:rPr lang="zh-CN" altLang="zh-CN" sz="1200" dirty="0" smtClean="0"/>
+              <a:t>状态</a:t>
+            </a:r>
+            <a:endParaRPr lang="zh-CN" altLang="zh-CN" sz="1200" dirty="0"/>
+          </a:p>
+          <a:p>
+            <a:pPr>
+              <a:buFont typeface="Wingdings" panose="05000000000000000000" pitchFamily="2" charset="2"/>
+              <a:buChar char="l"/>
+            </a:pPr>
+            <a:r>
+              <a:rPr lang="en-US" altLang="zh-CN" sz="1200" dirty="0"/>
+              <a:t>“Available for Control” </a:t>
+            </a:r>
+            <a:r>
+              <a:rPr lang="zh-CN" altLang="zh-CN" sz="1200" dirty="0" smtClean="0"/>
+              <a:t>状态</a:t>
+            </a:r>
+            <a:endParaRPr lang="en-US" altLang="zh-CN" sz="1200" dirty="0" smtClean="0"/>
+          </a:p>
+          <a:p>
+            <a:pPr>
+              <a:buFont typeface="Wingdings" panose="05000000000000000000" pitchFamily="2" charset="2"/>
+              <a:buChar char="l"/>
+            </a:pPr>
+            <a:r>
+              <a:rPr lang="en-US" altLang="zh-CN" sz="1200" dirty="0" smtClean="0"/>
+              <a:t>“</a:t>
+            </a:r>
+            <a:r>
+              <a:rPr lang="en-US" altLang="zh-CN" sz="1200" dirty="0"/>
+              <a:t>Active” </a:t>
+            </a:r>
+            <a:r>
+              <a:rPr lang="zh-CN" altLang="zh-CN" sz="1200" dirty="0" smtClean="0"/>
+              <a:t>状态</a:t>
+            </a:r>
+            <a:endParaRPr lang="en-US" altLang="zh-CN" sz="1200" dirty="0" smtClean="0"/>
+          </a:p>
+          <a:p>
+            <a:pPr marL="0" indent="0">
+              <a:buNone/>
+            </a:pPr>
+            <a:r>
+              <a:rPr lang="zh-CN" altLang="en-US" sz="1200" dirty="0"/>
+              <a:t>六个</a:t>
+            </a:r>
+            <a:r>
+              <a:rPr lang="en-US" altLang="zh-CN" sz="1200" dirty="0" smtClean="0"/>
+              <a:t>EPS</a:t>
+            </a:r>
+            <a:r>
+              <a:rPr lang="zh-CN" altLang="en-US" sz="1200" dirty="0" smtClean="0"/>
+              <a:t>状态相互转换条件：</a:t>
+            </a:r>
+            <a:endParaRPr lang="en-US" altLang="zh-CN" sz="1200" dirty="0" smtClean="0"/>
+          </a:p>
+          <a:p>
+            <a:r>
+              <a:rPr lang="en-US" altLang="zh-CN" sz="1200" dirty="0"/>
+              <a:t>C1</a:t>
+            </a:r>
+          </a:p>
+          <a:p>
+            <a:r>
+              <a:rPr lang="en-US" altLang="zh-CN" sz="1200" dirty="0"/>
+              <a:t>C2</a:t>
+            </a:r>
+          </a:p>
+          <a:p>
+            <a:r>
+              <a:rPr lang="en-US" altLang="zh-CN" sz="1200" dirty="0"/>
+              <a:t>C3</a:t>
+            </a:r>
+          </a:p>
+          <a:p>
+            <a:r>
+              <a:rPr lang="en-US" altLang="zh-CN" sz="1200" dirty="0"/>
+              <a:t>C4</a:t>
+            </a:r>
+          </a:p>
+          <a:p>
+            <a:r>
+              <a:rPr lang="en-US" altLang="zh-CN" sz="1200" dirty="0"/>
+              <a:t>C5</a:t>
+            </a:r>
+          </a:p>
+          <a:p>
+            <a:r>
+              <a:rPr lang="en-US" altLang="zh-CN" sz="1200" dirty="0"/>
+              <a:t>C6</a:t>
+            </a:r>
+            <a:endParaRPr lang="zh-CN" altLang="zh-CN" sz="1200" dirty="0"/>
+          </a:p>
+        </p:txBody>
+      </p:sp>
+      <p:pic>
+        <p:nvPicPr>
+          <p:cNvPr id="1026" name="Picture 2"/>
+          <p:cNvPicPr>
+            <a:picLocks noChangeAspect="1" noChangeArrowheads="1"/>
+          </p:cNvPicPr>
+          <p:nvPr/>
+        </p:nvPicPr>
+        <p:blipFill>
+          <a:blip r:embed="rId2">
+            <a:extLst>
+              <a:ext uri="{28A0092B-C50C-407E-A947-70E740481C1C}">
+                <a14:useLocalDpi xmlns:a14="http://schemas.microsoft.com/office/drawing/2010/main" val="0"/>
+              </a:ext>
+            </a:extLst>
+          </a:blip>
+          <a:srcRect/>
+          <a:stretch>
+            <a:fillRect/>
+          </a:stretch>
+        </p:blipFill>
+        <p:spPr bwMode="auto">
+          <a:xfrm>
+            <a:off x="919832" y="1628800"/>
+            <a:ext cx="3971925" cy="3714750"/>
+          </a:xfrm>
+          <a:prstGeom prst="rect">
+            <a:avLst/>
+          </a:prstGeom>
+          <a:noFill/>
+          <a:ln>
+            <a:noFill/>
+          </a:ln>
+          <a:extLst>
+            <a:ext uri="{909E8E84-426E-40DD-AFC4-6F175D3DCCD1}">
+              <a14:hiddenFill xmlns:a14="http://schemas.microsoft.com/office/drawing/2010/main">
+                <a:solidFill>
+                  <a:schemeClr val="accent1"/>
+                </a:solidFill>
+              </a14:hiddenFill>
+            </a:ext>
+            <a:ext uri="{91240B29-F687-4F45-9708-019B960494DF}">
+              <a14:hiddenLine xmlns:a14="http://schemas.microsoft.com/office/drawing/2010/main" w="9525">
+                <a:solidFill>
+                  <a:schemeClr val="tx1"/>
+                </a:solidFill>
+                <a:miter lim="800000"/>
+                <a:headEnd/>
+                <a:tailEnd/>
+              </a14:hiddenLine>
+            </a:ext>
+          </a:extLst>
+        </p:spPr>
+      </p:pic>
+    </p:spTree>
+    <p:extLst>
+      <p:ext uri="{BB962C8B-B14F-4D97-AF65-F5344CB8AC3E}">
+        <p14:creationId xmlns:p14="http://schemas.microsoft.com/office/powerpoint/2010/main" val="1672918356"/>
+      </p:ext>
+    </p:extLst>
+  </p:cSld>
+  <p:clrMapOvr>
+    <a:masterClrMapping/>
+  </p:clrMapOvr>
+  <p:timing>
+    <p:tnLst>
+      <p:par>
+        <p:cTn id="1" dur="indefinite" restart="never" nodeType="tmRoot"/>
+      </p:par>
+    </p:tnLst>
+  </p:timing>
+</p:sld>
+</file>
+
+<file path=ppt/slides/slide2.xml><?xml version="1.0" encoding="utf-8"?>
+<p:sld xmlns:a="http://schemas.openxmlformats.org/drawingml/2006/main" xmlns:r="http://schemas.openxmlformats.org/officeDocument/2006/relationships" xmlns:p="http://schemas.openxmlformats.org/presentationml/2006/main">
+  <p:cSld>
+    <p:spTree>
+      <p:nvGrpSpPr>
+        <p:cNvPr id="1" name=""/>
+        <p:cNvGrpSpPr/>
+        <p:nvPr/>
+      </p:nvGrpSpPr>
+      <p:grpSpPr>
+        <a:xfrm>
+          <a:off x="0" y="0"/>
+          <a:ext cx="0" cy="0"/>
+          <a:chOff x="0" y="0"/>
+          <a:chExt cx="0" cy="0"/>
+        </a:xfrm>
+      </p:grpSpPr>
+      <p:sp>
+        <p:nvSpPr>
+          <p:cNvPr id="6" name="燕尾形 5"/>
+          <p:cNvSpPr/>
+          <p:nvPr/>
+        </p:nvSpPr>
+        <p:spPr>
+          <a:xfrm>
+            <a:off x="3059832" y="80672"/>
+            <a:ext cx="1608290" cy="396000"/>
+          </a:xfrm>
+          <a:prstGeom prst="chevron">
+            <a:avLst/>
+          </a:prstGeom>
+          <a:solidFill>
+            <a:schemeClr val="accent4">
+              <a:lumMod val="40000"/>
+              <a:lumOff val="60000"/>
+            </a:schemeClr>
+          </a:solidFill>
+          <a:ln w="12700" cap="flat">
+            <a:noFill/>
+            <a:miter lim="400000"/>
+          </a:ln>
+          <a:effectLst>
+            <a:outerShdw blurRad="38100" dist="25400" dir="5400000" rotWithShape="0">
+              <a:srgbClr val="000000">
+                <a:alpha val="50000"/>
+              </a:srgbClr>
+            </a:outerShdw>
+          </a:effectLst>
+          <a:sp3d/>
+        </p:spPr>
+        <p:style>
+          <a:lnRef idx="0">
+            <a:scrgbClr r="0" g="0" b="0"/>
+          </a:lnRef>
+          <a:fillRef idx="0">
+            <a:scrgbClr r="0" g="0" b="0"/>
+          </a:fillRef>
+          <a:effectRef idx="0">
+            <a:scrgbClr r="0" g="0" b="0"/>
+          </a:effectRef>
+          <a:fontRef idx="none"/>
+        </p:style>
+        <p:txBody>
+          <a:bodyPr spcFirstLastPara="1" lIns="25380" tIns="25380" rIns="25380" bIns="25380" spcCol="19035" anchor="ctr"/>
+          <a:lstStyle/>
+          <a:p>
+            <a:pPr algn="ctr" defTabSz="412420" hangingPunct="0">
+              <a:defRPr/>
+            </a:pPr>
+            <a:r>
+              <a:rPr lang="zh-CN" altLang="en-US" sz="1600" b="1" dirty="0" smtClean="0">
+                <a:solidFill>
+                  <a:schemeClr val="tx1"/>
+                </a:solidFill>
+                <a:latin typeface="微软雅黑" panose="020B0503020204020204" pitchFamily="34" charset="-122"/>
+                <a:ea typeface="微软雅黑" panose="020B0503020204020204" pitchFamily="34" charset="-122"/>
+              </a:rPr>
+              <a:t>方案</a:t>
+            </a:r>
+            <a:endParaRPr lang="zh-CN" altLang="en-US" sz="1600" b="1" dirty="0">
+              <a:solidFill>
+                <a:schemeClr val="tx1"/>
+              </a:solidFill>
+              <a:latin typeface="微软雅黑" panose="020B0503020204020204" pitchFamily="34" charset="-122"/>
+              <a:ea typeface="微软雅黑" panose="020B0503020204020204" pitchFamily="34" charset="-122"/>
+            </a:endParaRPr>
+          </a:p>
+        </p:txBody>
+      </p:sp>
+      <p:cxnSp>
+        <p:nvCxnSpPr>
+          <p:cNvPr id="20" name="直接连接符 19"/>
+          <p:cNvCxnSpPr/>
+          <p:nvPr/>
+        </p:nvCxnSpPr>
+        <p:spPr>
+          <a:xfrm flipV="1">
+            <a:off x="0" y="530759"/>
+            <a:ext cx="9144000" cy="9331"/>
+          </a:xfrm>
+          <a:prstGeom prst="line">
+            <a:avLst/>
+          </a:prstGeom>
+        </p:spPr>
+        <p:style>
+          <a:lnRef idx="1">
+            <a:schemeClr val="dk1"/>
+          </a:lnRef>
+          <a:fillRef idx="0">
+            <a:schemeClr val="dk1"/>
+          </a:fillRef>
+          <a:effectRef idx="0">
+            <a:schemeClr val="dk1"/>
+          </a:effectRef>
+          <a:fontRef idx="minor">
+            <a:schemeClr val="tx1"/>
+          </a:fontRef>
+        </p:style>
+      </p:cxnSp>
+      <p:sp>
+        <p:nvSpPr>
+          <p:cNvPr id="9" name="内容占位符 1"/>
+          <p:cNvSpPr txBox="1">
+            <a:spLocks/>
+          </p:cNvSpPr>
+          <p:nvPr/>
+        </p:nvSpPr>
+        <p:spPr>
+          <a:xfrm>
+            <a:off x="25152" y="592089"/>
+            <a:ext cx="2602632" cy="316631"/>
+          </a:xfrm>
+          <a:prstGeom prst="rect">
+            <a:avLst/>
+          </a:prstGeom>
+        </p:spPr>
+        <p:txBody>
+          <a:bodyPr vert="horz" lIns="91440" tIns="45720" rIns="91440" bIns="45720" rtlCol="0">
+            <a:normAutofit/>
+          </a:bodyPr>
+          <a:lstStyle>
+            <a:lvl1pPr marL="342900" indent="-342900" algn="l" defTabSz="914400" rtl="0" eaLnBrk="1" latinLnBrk="0" hangingPunct="1">
+              <a:spcBef>
+                <a:spcPct val="20000"/>
+              </a:spcBef>
+              <a:buFont typeface="Arial" panose="020B0604020202020204" pitchFamily="34" charset="0"/>
+              <a:buChar char="•"/>
+              <a:defRPr sz="3200" kern="1200">
+                <a:solidFill>
+                  <a:schemeClr val="tx1"/>
+                </a:solidFill>
+                <a:latin typeface="+mn-lt"/>
+                <a:ea typeface="+mn-ea"/>
+                <a:cs typeface="+mn-cs"/>
+              </a:defRPr>
+            </a:lvl1pPr>
+            <a:lvl2pPr marL="742950" indent="-285750" algn="l" defTabSz="914400" rtl="0" eaLnBrk="1" latinLnBrk="0" hangingPunct="1">
+              <a:spcBef>
+                <a:spcPct val="20000"/>
+              </a:spcBef>
+              <a:buFont typeface="Arial" panose="020B0604020202020204" pitchFamily="34" charset="0"/>
+              <a:buChar char="–"/>
+              <a:defRPr sz="2800" kern="1200">
+                <a:solidFill>
+                  <a:schemeClr val="tx1"/>
+                </a:solidFill>
+                <a:latin typeface="+mn-lt"/>
+                <a:ea typeface="+mn-ea"/>
+                <a:cs typeface="+mn-cs"/>
+              </a:defRPr>
+            </a:lvl2pPr>
+            <a:lvl3pPr marL="1143000" indent="-228600" algn="l" defTabSz="914400" rtl="0" eaLnBrk="1" latinLnBrk="0" hangingPunct="1">
+              <a:spcBef>
+                <a:spcPct val="20000"/>
+              </a:spcBef>
+              <a:buFont typeface="Arial" panose="020B0604020202020204" pitchFamily="34" charset="0"/>
+              <a:buChar char="•"/>
+              <a:defRPr sz="2400" kern="1200">
+                <a:solidFill>
+                  <a:schemeClr val="tx1"/>
+                </a:solidFill>
+                <a:latin typeface="+mn-lt"/>
+                <a:ea typeface="+mn-ea"/>
+                <a:cs typeface="+mn-cs"/>
+              </a:defRPr>
+            </a:lvl3pPr>
+            <a:lvl4pPr marL="1600200" indent="-228600" algn="l" defTabSz="914400" rtl="0" eaLnBrk="1" latinLnBrk="0" hangingPunct="1">
+              <a:spcBef>
+                <a:spcPct val="20000"/>
+              </a:spcBef>
+              <a:buFont typeface="Arial" panose="020B0604020202020204" pitchFamily="34" charset="0"/>
+              <a:buChar char="–"/>
+              <a:defRPr sz="2000" kern="1200">
+                <a:solidFill>
+                  <a:schemeClr val="tx1"/>
+                </a:solidFill>
+                <a:latin typeface="+mn-lt"/>
+                <a:ea typeface="+mn-ea"/>
+                <a:cs typeface="+mn-cs"/>
+              </a:defRPr>
+            </a:lvl4pPr>
+            <a:lvl5pPr marL="2057400" indent="-228600" algn="l" defTabSz="914400" rtl="0" eaLnBrk="1" latinLnBrk="0" hangingPunct="1">
+              <a:spcBef>
+                <a:spcPct val="20000"/>
+              </a:spcBef>
+              <a:buFont typeface="Arial" panose="020B0604020202020204" pitchFamily="34" charset="0"/>
+              <a:buChar char="»"/>
+              <a:defRPr sz="2000" kern="1200">
+                <a:solidFill>
+                  <a:schemeClr val="tx1"/>
+                </a:solidFill>
+                <a:latin typeface="+mn-lt"/>
+                <a:ea typeface="+mn-ea"/>
+                <a:cs typeface="+mn-cs"/>
+              </a:defRPr>
+            </a:lvl5pPr>
+            <a:lvl6pPr marL="2514600" indent="-228600" algn="l" defTabSz="914400" rtl="0" eaLnBrk="1" latinLnBrk="0" hangingPunct="1">
+              <a:spcBef>
+                <a:spcPct val="20000"/>
+              </a:spcBef>
+              <a:buFont typeface="Arial" panose="020B0604020202020204" pitchFamily="34" charset="0"/>
+              <a:buChar char="•"/>
+              <a:defRPr sz="2000" kern="1200">
+                <a:solidFill>
+                  <a:schemeClr val="tx1"/>
+                </a:solidFill>
+                <a:latin typeface="+mn-lt"/>
+                <a:ea typeface="+mn-ea"/>
+                <a:cs typeface="+mn-cs"/>
+              </a:defRPr>
+            </a:lvl6pPr>
+            <a:lvl7pPr marL="2971800" indent="-228600" algn="l" defTabSz="914400" rtl="0" eaLnBrk="1" latinLnBrk="0" hangingPunct="1">
+              <a:spcBef>
+                <a:spcPct val="20000"/>
+              </a:spcBef>
+              <a:buFont typeface="Arial" panose="020B0604020202020204" pitchFamily="34" charset="0"/>
+              <a:buChar char="•"/>
+              <a:defRPr sz="2000" kern="1200">
+                <a:solidFill>
+                  <a:schemeClr val="tx1"/>
+                </a:solidFill>
+                <a:latin typeface="+mn-lt"/>
+                <a:ea typeface="+mn-ea"/>
+                <a:cs typeface="+mn-cs"/>
+              </a:defRPr>
+            </a:lvl7pPr>
+            <a:lvl8pPr marL="3429000" indent="-228600" algn="l" defTabSz="914400" rtl="0" eaLnBrk="1" latinLnBrk="0" hangingPunct="1">
+              <a:spcBef>
+                <a:spcPct val="20000"/>
+              </a:spcBef>
+              <a:buFont typeface="Arial" panose="020B0604020202020204" pitchFamily="34" charset="0"/>
+              <a:buChar char="•"/>
+              <a:defRPr sz="2000" kern="1200">
+                <a:solidFill>
+                  <a:schemeClr val="tx1"/>
+                </a:solidFill>
+                <a:latin typeface="+mn-lt"/>
+                <a:ea typeface="+mn-ea"/>
+                <a:cs typeface="+mn-cs"/>
+              </a:defRPr>
+            </a:lvl8pPr>
+            <a:lvl9pPr marL="3886200" indent="-228600" algn="l" defTabSz="914400" rtl="0" eaLnBrk="1" latinLnBrk="0" hangingPunct="1">
+              <a:spcBef>
+                <a:spcPct val="20000"/>
+              </a:spcBef>
+              <a:buFont typeface="Arial" panose="020B0604020202020204" pitchFamily="34" charset="0"/>
+              <a:buChar char="•"/>
+              <a:defRPr sz="2000" kern="1200">
+                <a:solidFill>
+                  <a:schemeClr val="tx1"/>
+                </a:solidFill>
+                <a:latin typeface="+mn-lt"/>
+                <a:ea typeface="+mn-ea"/>
+                <a:cs typeface="+mn-cs"/>
+              </a:defRPr>
+            </a:lvl9pPr>
+          </a:lstStyle>
+          <a:p>
+            <a:pPr marL="0" indent="0">
+              <a:buFont typeface="Arial" panose="020B0604020202020204" pitchFamily="34" charset="0"/>
+              <a:buNone/>
+            </a:pPr>
+            <a:r>
+              <a:rPr lang="zh-CN" altLang="en-US" sz="1400" dirty="0"/>
+              <a:t>三</a:t>
+            </a:r>
+            <a:r>
+              <a:rPr lang="zh-CN" altLang="en-US" sz="1400" dirty="0" smtClean="0"/>
+              <a:t>、关键零件技术要求（</a:t>
+            </a:r>
+            <a:r>
+              <a:rPr lang="en-US" altLang="zh-CN" sz="1400" dirty="0" smtClean="0"/>
+              <a:t>EPS</a:t>
+            </a:r>
+            <a:r>
+              <a:rPr lang="zh-CN" altLang="en-US" sz="1400" dirty="0" smtClean="0"/>
+              <a:t>）</a:t>
+            </a:r>
+            <a:endParaRPr lang="zh-CN" altLang="en-US" sz="1400" dirty="0"/>
+          </a:p>
+        </p:txBody>
+      </p:sp>
       <p:pic>
         <p:nvPicPr>
           <p:cNvPr id="2050" name="Picture 2"/>
@@ -2272,7 +2946,7 @@
     </p:spTree>
     <p:extLst>
       <p:ext uri="{BB962C8B-B14F-4D97-AF65-F5344CB8AC3E}">
-        <p14:creationId xmlns:p14="http://schemas.microsoft.com/office/powerpoint/2010/main" val="1672918356"/>
+        <p14:creationId xmlns:p14="http://schemas.microsoft.com/office/powerpoint/2010/main" val="1908673255"/>
       </p:ext>
     </p:extLst>
   </p:cSld>
@@ -2289,7 +2963,7 @@
 </p:sld>
 </file>
 
-<file path=ppt/slides/slide2.xml><?xml version="1.0" encoding="utf-8"?>
+<file path=ppt/slides/slide3.xml><?xml version="1.0" encoding="utf-8"?>
 <p:sld xmlns:a="http://schemas.openxmlformats.org/drawingml/2006/main" xmlns:r="http://schemas.openxmlformats.org/officeDocument/2006/relationships" xmlns:p="http://schemas.openxmlformats.org/presentationml/2006/main">
   <p:cSld>
     <p:spTree>
@@ -2600,14 +3274,14 @@
           <p:nvPr>
             <p:extLst>
               <p:ext uri="{D42A27DB-BD31-4B8C-83A1-F6EECF244321}">
-                <p14:modId xmlns:p14="http://schemas.microsoft.com/office/powerpoint/2010/main" val="3871938795"/>
+                <p14:modId xmlns:p14="http://schemas.microsoft.com/office/powerpoint/2010/main" val="2552775598"/>
               </p:ext>
             </p:extLst>
           </p:nvPr>
         </p:nvGraphicFramePr>
         <p:xfrm>
-          <a:off x="323528" y="1052736"/>
-          <a:ext cx="8640960" cy="4511040"/>
+          <a:off x="347642" y="1556792"/>
+          <a:ext cx="8640960" cy="4114800"/>
         </p:xfrm>
         <a:graphic>
           <a:graphicData uri="http://schemas.openxmlformats.org/drawingml/2006/table">
@@ -2753,11 +3427,7 @@
                       <a:pPr algn="l"/>
                       <a:r>
                         <a:rPr lang="en-US" altLang="zh-CN" sz="1000" dirty="0" smtClean="0"/>
-                        <a:t>Steering angle </a:t>
-                      </a:r>
-                      <a:r>
-                        <a:rPr lang="en-US" altLang="zh-CN" sz="1000" dirty="0" smtClean="0"/>
-                        <a:t>resolution</a:t>
+                        <a:t>Steering angle resolution</a:t>
                       </a:r>
                       <a:endParaRPr lang="zh-CN" altLang="en-US" sz="1000" dirty="0"/>
                     </a:p>
@@ -2874,11 +3544,7 @@
                       <a:pPr algn="l"/>
                       <a:r>
                         <a:rPr lang="en-US" altLang="zh-CN" sz="1000" dirty="0" smtClean="0"/>
-                        <a:t>Update </a:t>
-                      </a:r>
-                      <a:r>
-                        <a:rPr lang="en-US" altLang="zh-CN" sz="1000" dirty="0" smtClean="0"/>
-                        <a:t>rate</a:t>
+                        <a:t>Update rate</a:t>
                       </a:r>
                       <a:endParaRPr lang="zh-CN" altLang="en-US" sz="1000" dirty="0"/>
                     </a:p>
@@ -2987,11 +3653,7 @@
                       <a:pPr algn="l"/>
                       <a:r>
                         <a:rPr lang="en-US" altLang="zh-CN" sz="1000" dirty="0" smtClean="0"/>
-                        <a:t>Steering wheel angle control </a:t>
-                      </a:r>
-                      <a:r>
-                        <a:rPr lang="en-US" altLang="zh-CN" sz="1000" dirty="0" smtClean="0"/>
-                        <a:t>step</a:t>
+                        <a:t>Steering wheel angle control step</a:t>
                       </a:r>
                       <a:endParaRPr lang="zh-CN" altLang="en-US" sz="1000" dirty="0"/>
                     </a:p>
@@ -3133,11 +3795,7 @@
                       </a:r>
                       <a:r>
                         <a:rPr lang="en-US" altLang="zh-CN" sz="1000" baseline="0" dirty="0" smtClean="0"/>
-                        <a:t> time/EPS individual processing </a:t>
-                      </a:r>
-                      <a:r>
-                        <a:rPr lang="en-US" altLang="zh-CN" sz="1000" baseline="0" dirty="0" smtClean="0"/>
-                        <a:t>time</a:t>
+                        <a:t> time/EPS individual processing time</a:t>
                       </a:r>
                       <a:endParaRPr lang="zh-CN" altLang="en-US" sz="1000" dirty="0"/>
                     </a:p>
@@ -3273,11 +3931,7 @@
                       <a:pPr algn="l"/>
                       <a:r>
                         <a:rPr lang="en-US" altLang="zh-CN" sz="1000" dirty="0" smtClean="0"/>
-                        <a:t>Steering wheel angle </a:t>
-                      </a:r>
-                      <a:r>
-                        <a:rPr lang="en-US" altLang="zh-CN" sz="1000" dirty="0" smtClean="0"/>
-                        <a:t>acceleration</a:t>
+                        <a:t>Steering wheel angle acceleration</a:t>
                       </a:r>
                       <a:endParaRPr lang="zh-CN" altLang="en-US" sz="1000" dirty="0"/>
                     </a:p>
@@ -3404,11 +4058,7 @@
                       <a:pPr algn="l"/>
                       <a:r>
                         <a:rPr lang="en-US" altLang="zh-CN" sz="1000" dirty="0" smtClean="0"/>
-                        <a:t>Steering wheel angle </a:t>
-                      </a:r>
-                      <a:r>
-                        <a:rPr lang="en-US" altLang="zh-CN" sz="1000" dirty="0" smtClean="0"/>
-                        <a:t>velocity</a:t>
+                        <a:t>Steering wheel angle velocity</a:t>
                       </a:r>
                       <a:endParaRPr lang="zh-CN" altLang="en-US" sz="1000" dirty="0"/>
                     </a:p>
@@ -3543,18 +4193,7 @@
                           <a:ea typeface="+mn-ea"/>
                           <a:cs typeface="+mn-cs"/>
                         </a:rPr>
-                        <a:t>maximum steering wheel angle </a:t>
-                      </a:r>
-                      <a:r>
-                        <a:rPr lang="en-US" altLang="zh-CN" sz="1000" kern="1200" dirty="0" smtClean="0">
-                          <a:solidFill>
-                            <a:schemeClr val="dk1"/>
-                          </a:solidFill>
-                          <a:latin typeface="+mn-lt"/>
-                          <a:ea typeface="+mn-ea"/>
-                          <a:cs typeface="+mn-cs"/>
-                        </a:rPr>
-                        <a:t>velocity</a:t>
+                        <a:t>maximum steering wheel angle velocity</a:t>
                       </a:r>
                       <a:endParaRPr lang="zh-CN" altLang="en-US" sz="1000" kern="1200" dirty="0">
                         <a:solidFill>
@@ -3707,11 +4346,7 @@
                       </a:r>
                       <a:r>
                         <a:rPr lang="en-US" altLang="zh-CN" sz="1000" baseline="0" dirty="0" smtClean="0"/>
-                        <a:t> </a:t>
-                      </a:r>
-                      <a:r>
-                        <a:rPr lang="en-US" altLang="zh-CN" sz="1000" baseline="0" dirty="0" smtClean="0"/>
-                        <a:t>time</a:t>
+                        <a:t> time</a:t>
                       </a:r>
                       <a:endParaRPr lang="zh-CN" altLang="en-US" sz="1000" dirty="0"/>
                     </a:p>
@@ -3834,18 +4469,7 @@
                           <a:ea typeface="+mn-ea"/>
                           <a:cs typeface="+mn-cs"/>
                         </a:rPr>
-                        <a:t>Fluctuation </a:t>
-                      </a:r>
-                      <a:r>
-                        <a:rPr lang="en-US" altLang="zh-CN" sz="1000" kern="1200" dirty="0" smtClean="0">
-                          <a:solidFill>
-                            <a:schemeClr val="dk1"/>
-                          </a:solidFill>
-                          <a:latin typeface="+mn-lt"/>
-                          <a:ea typeface="+mn-ea"/>
-                          <a:cs typeface="+mn-cs"/>
-                        </a:rPr>
-                        <a:t>angle</a:t>
+                        <a:t>Fluctuation angle</a:t>
                       </a:r>
                       <a:endParaRPr lang="zh-CN" altLang="en-US" sz="1000" kern="1200" dirty="0">
                         <a:solidFill>
@@ -3990,11 +4614,7 @@
                       </a:r>
                       <a:r>
                         <a:rPr lang="en-US" altLang="zh-CN" sz="1000" baseline="0" dirty="0" smtClean="0"/>
-                        <a:t> </a:t>
-                      </a:r>
-                      <a:r>
-                        <a:rPr lang="en-US" altLang="zh-CN" sz="1000" baseline="0" dirty="0" smtClean="0"/>
-                        <a:t>deviation</a:t>
+                        <a:t> deviation</a:t>
                       </a:r>
                       <a:endParaRPr lang="zh-CN" altLang="en-US" sz="1000" dirty="0"/>
                     </a:p>
@@ -4126,11 +4746,7 @@
                       </a:r>
                       <a:r>
                         <a:rPr lang="en-US" altLang="zh-CN" sz="1000" baseline="0" dirty="0" smtClean="0"/>
-                        <a:t> angle </a:t>
-                      </a:r>
-                      <a:r>
-                        <a:rPr lang="en-US" altLang="zh-CN" sz="1000" baseline="0" dirty="0" smtClean="0"/>
-                        <a:t>range</a:t>
+                        <a:t> angle range</a:t>
                       </a:r>
                       <a:endParaRPr lang="zh-CN" altLang="en-US" sz="1000" dirty="0"/>
                     </a:p>
@@ -4630,11 +5246,7 @@
                       <a:pPr algn="l"/>
                       <a:r>
                         <a:rPr lang="en-US" altLang="zh-CN" sz="1000" dirty="0" smtClean="0"/>
-                        <a:t>Jump signal(Optional</a:t>
-                      </a:r>
-                      <a:r>
-                        <a:rPr lang="en-US" altLang="zh-CN" sz="1000" dirty="0" smtClean="0"/>
-                        <a:t>)</a:t>
+                        <a:t>Jump signal(Optional)</a:t>
                       </a:r>
                       <a:endParaRPr lang="zh-CN" altLang="en-US" sz="1000" dirty="0"/>
                     </a:p>
@@ -4787,198 +5399,19 @@
                       </a:pPr>
                       <a:r>
                         <a:rPr lang="zh-CN" altLang="en-US" sz="1000" dirty="0" smtClean="0"/>
-                        <a:t>阶跃信号（可选项目）</a:t>
-                      </a:r>
-                    </a:p>
-                  </a:txBody>
-                  <a:tcPr anchor="ctr"/>
-                </a:tc>
-              </a:tr>
-              <a:tr h="210904">
-                <a:tc>
-                  <a:txBody>
-                    <a:bodyPr/>
-                    <a:lstStyle/>
-                    <a:p>
-                      <a:pPr marL="0" marR="0" indent="0" algn="ctr" defTabSz="914400" rtl="0" eaLnBrk="1" fontAlgn="auto" latinLnBrk="0" hangingPunct="1">
-                        <a:lnSpc>
-                          <a:spcPct val="100000"/>
-                        </a:lnSpc>
-                        <a:spcBef>
-                          <a:spcPts val="0"/>
-                        </a:spcBef>
-                        <a:spcAft>
-                          <a:spcPts val="0"/>
-                        </a:spcAft>
-                        <a:buClrTx/>
-                        <a:buSzTx/>
-                        <a:buFontTx/>
-                        <a:buNone/>
-                        <a:tabLst/>
-                        <a:defRPr/>
-                      </a:pPr>
-                      <a:r>
-                        <a:rPr lang="en-US" altLang="zh-CN" sz="1050" kern="1200" dirty="0" smtClean="0">
-                          <a:solidFill>
-                            <a:schemeClr val="dk1"/>
-                          </a:solidFill>
-                          <a:latin typeface="+mn-lt"/>
-                          <a:ea typeface="+mn-ea"/>
-                          <a:cs typeface="+mn-cs"/>
-                        </a:rPr>
-                        <a:t>11</a:t>
-                      </a:r>
-                      <a:endParaRPr lang="zh-CN" altLang="en-US" sz="1050" kern="1200" dirty="0" smtClean="0">
-                        <a:solidFill>
-                          <a:schemeClr val="dk1"/>
-                        </a:solidFill>
-                        <a:latin typeface="+mn-lt"/>
-                        <a:ea typeface="+mn-ea"/>
-                        <a:cs typeface="+mn-cs"/>
-                      </a:endParaRPr>
-                    </a:p>
-                  </a:txBody>
-                  <a:tcPr/>
-                </a:tc>
-                <a:tc>
-                  <a:txBody>
-                    <a:bodyPr/>
-                    <a:lstStyle/>
-                    <a:p>
-                      <a:pPr algn="l"/>
+                        <a:t>阶跃信号（可选项目</a:t>
+                      </a:r>
+                      <a:r>
+                        <a:rPr lang="zh-CN" altLang="en-US" sz="1000" dirty="0" smtClean="0"/>
+                        <a:t>），</a:t>
+                      </a:r>
                       <a:r>
                         <a:rPr lang="en-US" altLang="zh-CN" sz="1000" dirty="0" smtClean="0"/>
-                        <a:t>Maximum torque</a:t>
-                      </a:r>
-                      <a:r>
-                        <a:rPr lang="en-US" altLang="zh-CN" sz="1000" baseline="0" dirty="0" smtClean="0"/>
-                        <a:t> applied </a:t>
-                      </a:r>
-                      <a:r>
-                        <a:rPr lang="en-US" altLang="zh-CN" sz="1000" baseline="0" smtClean="0"/>
-                        <a:t>to </a:t>
-                      </a:r>
-                      <a:r>
-                        <a:rPr lang="en-US" altLang="zh-CN" sz="1000" baseline="0" smtClean="0"/>
-                        <a:t>driver</a:t>
-                      </a:r>
-                      <a:endParaRPr lang="zh-CN" altLang="en-US" sz="1000" dirty="0"/>
-                    </a:p>
-                  </a:txBody>
-                  <a:tcPr/>
-                </a:tc>
-                <a:tc>
-                  <a:txBody>
-                    <a:bodyPr/>
-                    <a:lstStyle/>
-                    <a:p>
-                      <a:pPr marL="0" marR="0" indent="0" algn="ctr" defTabSz="914400" rtl="0" eaLnBrk="1" fontAlgn="auto" latinLnBrk="0" hangingPunct="1">
-                        <a:lnSpc>
-                          <a:spcPct val="100000"/>
-                        </a:lnSpc>
-                        <a:spcBef>
-                          <a:spcPts val="0"/>
-                        </a:spcBef>
-                        <a:spcAft>
-                          <a:spcPts val="0"/>
-                        </a:spcAft>
-                        <a:buClrTx/>
-                        <a:buSzTx/>
-                        <a:buFontTx/>
-                        <a:buNone/>
-                        <a:tabLst/>
-                        <a:defRPr/>
-                      </a:pPr>
-                      <a:r>
-                        <a:rPr lang="zh-CN" altLang="en-US" sz="1000" kern="1200" dirty="0" smtClean="0">
-                          <a:solidFill>
-                            <a:schemeClr val="dk1"/>
-                          </a:solidFill>
-                          <a:latin typeface="+mn-lt"/>
-                          <a:ea typeface="+mn-ea"/>
-                          <a:cs typeface="+mn-cs"/>
-                        </a:rPr>
-                        <a:t>＞</a:t>
-                      </a:r>
-                      <a:r>
-                        <a:rPr lang="en-US" altLang="zh-CN" sz="1000" kern="1200" dirty="0" smtClean="0">
-                          <a:solidFill>
-                            <a:schemeClr val="dk1"/>
-                          </a:solidFill>
-                          <a:latin typeface="+mn-lt"/>
-                          <a:ea typeface="+mn-ea"/>
-                          <a:cs typeface="+mn-cs"/>
-                        </a:rPr>
-                        <a:t>3Nm</a:t>
-                      </a:r>
-                      <a:r>
-                        <a:rPr lang="zh-CN" altLang="en-US" sz="1000" kern="1200" baseline="0" dirty="0" smtClean="0">
-                          <a:solidFill>
-                            <a:schemeClr val="dk1"/>
-                          </a:solidFill>
-                          <a:latin typeface="+mn-lt"/>
-                          <a:ea typeface="+mn-ea"/>
-                          <a:cs typeface="+mn-cs"/>
-                        </a:rPr>
-                        <a:t> </a:t>
-                      </a:r>
-                      <a:r>
-                        <a:rPr lang="en-US" altLang="zh-CN" sz="1000" kern="1200" baseline="0" dirty="0" smtClean="0">
-                          <a:solidFill>
-                            <a:schemeClr val="dk1"/>
-                          </a:solidFill>
-                          <a:latin typeface="+mn-lt"/>
-                          <a:ea typeface="+mn-ea"/>
-                          <a:cs typeface="+mn-cs"/>
-                        </a:rPr>
-                        <a:t>for 50ms</a:t>
-                      </a:r>
-                      <a:endParaRPr lang="zh-CN" altLang="en-US" sz="1000" dirty="0" smtClean="0"/>
-                    </a:p>
-                  </a:txBody>
-                  <a:tcPr/>
-                </a:tc>
-                <a:tc>
-                  <a:txBody>
-                    <a:bodyPr/>
-                    <a:lstStyle/>
-                    <a:p>
-                      <a:pPr marL="0" marR="0" indent="0" algn="l" defTabSz="914400" rtl="0" eaLnBrk="1" fontAlgn="auto" latinLnBrk="0" hangingPunct="1">
-                        <a:lnSpc>
-                          <a:spcPct val="100000"/>
-                        </a:lnSpc>
-                        <a:spcBef>
-                          <a:spcPts val="0"/>
-                        </a:spcBef>
-                        <a:spcAft>
-                          <a:spcPts val="0"/>
-                        </a:spcAft>
-                        <a:buClrTx/>
-                        <a:buSzTx/>
-                        <a:buFontTx/>
-                        <a:buNone/>
-                        <a:tabLst/>
-                        <a:defRPr/>
-                      </a:pPr>
-                      <a:r>
-                        <a:rPr lang="zh-CN" altLang="en-US" sz="1000" baseline="0" dirty="0" smtClean="0"/>
-                        <a:t>驾驶员干涉条件，即当检测到超过</a:t>
-                      </a:r>
-                      <a:r>
-                        <a:rPr lang="en-US" altLang="zh-CN" sz="1000" baseline="0" dirty="0" smtClean="0"/>
-                        <a:t>3Nm</a:t>
-                      </a:r>
-                      <a:r>
-                        <a:rPr lang="zh-CN" altLang="en-US" sz="1000" baseline="0" dirty="0" smtClean="0"/>
-                        <a:t>且时间持续</a:t>
-                      </a:r>
-                      <a:r>
-                        <a:rPr lang="en-US" altLang="zh-CN" sz="1000" baseline="0" dirty="0" smtClean="0"/>
-                        <a:t>50ms</a:t>
-                      </a:r>
-                      <a:r>
-                        <a:rPr lang="zh-CN" altLang="en-US" sz="1000" baseline="0" dirty="0" smtClean="0"/>
-                        <a:t>，则判断为驾驶员有干涉意图（可协商）</a:t>
+                        <a:t>EPS</a:t>
+                      </a:r>
+                      <a:r>
+                        <a:rPr lang="zh-CN" altLang="en-US" sz="1000" dirty="0" smtClean="0"/>
+                        <a:t>永久失效的一种</a:t>
                       </a:r>
                       <a:endParaRPr lang="zh-CN" altLang="en-US" sz="1000" dirty="0" smtClean="0"/>
                     </a:p>
@@ -4987,6 +5420,63 @@
                 </a:tc>
               </a:tr>
             </a:tbl>
+          </a:graphicData>
+        </a:graphic>
+      </p:graphicFrame>
+      <p:graphicFrame>
+        <p:nvGraphicFramePr>
+          <p:cNvPr id="2" name="对象 1"/>
+          <p:cNvGraphicFramePr>
+            <a:graphicFrameLocks noChangeAspect="1"/>
+          </p:cNvGraphicFramePr>
+          <p:nvPr>
+            <p:extLst>
+              <p:ext uri="{D42A27DB-BD31-4B8C-83A1-F6EECF244321}">
+                <p14:modId xmlns:p14="http://schemas.microsoft.com/office/powerpoint/2010/main" val="163871810"/>
+              </p:ext>
+            </p:extLst>
+          </p:nvPr>
+        </p:nvGraphicFramePr>
+        <p:xfrm>
+          <a:off x="7740352" y="627932"/>
+          <a:ext cx="914400" cy="828675"/>
+        </p:xfrm>
+        <a:graphic>
+          <a:graphicData uri="http://schemas.openxmlformats.org/presentationml/2006/ole">
+            <mc:AlternateContent xmlns:mc="http://schemas.openxmlformats.org/markup-compatibility/2006">
+              <mc:Choice xmlns:v="urn:schemas-microsoft-com:vml" Requires="v">
+                <p:oleObj spid="_x0000_s1031" name="Acrobat Document" showAsIcon="1" r:id="rId3" imgW="914400" imgH="828720" progId="AcroExch.Document.11">
+                  <p:embed/>
+                </p:oleObj>
+              </mc:Choice>
+              <mc:Fallback>
+                <p:oleObj name="Acrobat Document" showAsIcon="1" r:id="rId3" imgW="914400" imgH="828720" progId="AcroExch.Document.11">
+                  <p:embed/>
+                  <p:pic>
+                    <p:nvPicPr>
+                      <p:cNvPr id="0" name=""/>
+                      <p:cNvPicPr/>
+                      <p:nvPr/>
+                    </p:nvPicPr>
+                    <p:blipFill>
+                      <a:blip r:embed="rId4"/>
+                      <a:stretch>
+                        <a:fillRect/>
+                      </a:stretch>
+                    </p:blipFill>
+                    <p:spPr>
+                      <a:xfrm>
+                        <a:off x="7740352" y="627932"/>
+                        <a:ext cx="914400" cy="828675"/>
+                      </a:xfrm>
+                      <a:prstGeom prst="rect">
+                        <a:avLst/>
+                      </a:prstGeom>
+                    </p:spPr>
+                  </p:pic>
+                </p:oleObj>
+              </mc:Fallback>
+            </mc:AlternateContent>
           </a:graphicData>
         </a:graphic>
       </p:graphicFrame>
